--- a/准备.pptx
+++ b/准备.pptx
@@ -305,7 +305,7 @@
             <a:fld id="{4916487B-7C96-46B7-92CA-BC4AF96EE678}" type="datetimeFigureOut">
               <a:rPr lang="zh-CN" altLang="en-US" smtClean="0"/>
               <a:pPr/>
-              <a:t>2018/7/16</a:t>
+              <a:t>2018/7/18</a:t>
             </a:fld>
             <a:endParaRPr lang="zh-CN" altLang="en-US"/>
           </a:p>
@@ -472,7 +472,7 @@
             <a:fld id="{4916487B-7C96-46B7-92CA-BC4AF96EE678}" type="datetimeFigureOut">
               <a:rPr lang="zh-CN" altLang="en-US" smtClean="0"/>
               <a:pPr/>
-              <a:t>2018/7/16</a:t>
+              <a:t>2018/7/18</a:t>
             </a:fld>
             <a:endParaRPr lang="zh-CN" altLang="en-US"/>
           </a:p>
@@ -649,7 +649,7 @@
             <a:fld id="{4916487B-7C96-46B7-92CA-BC4AF96EE678}" type="datetimeFigureOut">
               <a:rPr lang="zh-CN" altLang="en-US" smtClean="0"/>
               <a:pPr/>
-              <a:t>2018/7/16</a:t>
+              <a:t>2018/7/18</a:t>
             </a:fld>
             <a:endParaRPr lang="zh-CN" altLang="en-US"/>
           </a:p>
@@ -816,7 +816,7 @@
             <a:fld id="{4916487B-7C96-46B7-92CA-BC4AF96EE678}" type="datetimeFigureOut">
               <a:rPr lang="zh-CN" altLang="en-US" smtClean="0"/>
               <a:pPr/>
-              <a:t>2018/7/16</a:t>
+              <a:t>2018/7/18</a:t>
             </a:fld>
             <a:endParaRPr lang="zh-CN" altLang="en-US"/>
           </a:p>
@@ -1059,7 +1059,7 @@
             <a:fld id="{4916487B-7C96-46B7-92CA-BC4AF96EE678}" type="datetimeFigureOut">
               <a:rPr lang="zh-CN" altLang="en-US" smtClean="0"/>
               <a:pPr/>
-              <a:t>2018/7/16</a:t>
+              <a:t>2018/7/18</a:t>
             </a:fld>
             <a:endParaRPr lang="zh-CN" altLang="en-US"/>
           </a:p>
@@ -1344,7 +1344,7 @@
             <a:fld id="{4916487B-7C96-46B7-92CA-BC4AF96EE678}" type="datetimeFigureOut">
               <a:rPr lang="zh-CN" altLang="en-US" smtClean="0"/>
               <a:pPr/>
-              <a:t>2018/7/16</a:t>
+              <a:t>2018/7/18</a:t>
             </a:fld>
             <a:endParaRPr lang="zh-CN" altLang="en-US"/>
           </a:p>
@@ -1763,7 +1763,7 @@
             <a:fld id="{4916487B-7C96-46B7-92CA-BC4AF96EE678}" type="datetimeFigureOut">
               <a:rPr lang="zh-CN" altLang="en-US" smtClean="0"/>
               <a:pPr/>
-              <a:t>2018/7/16</a:t>
+              <a:t>2018/7/18</a:t>
             </a:fld>
             <a:endParaRPr lang="zh-CN" altLang="en-US"/>
           </a:p>
@@ -1878,7 +1878,7 @@
             <a:fld id="{4916487B-7C96-46B7-92CA-BC4AF96EE678}" type="datetimeFigureOut">
               <a:rPr lang="zh-CN" altLang="en-US" smtClean="0"/>
               <a:pPr/>
-              <a:t>2018/7/16</a:t>
+              <a:t>2018/7/18</a:t>
             </a:fld>
             <a:endParaRPr lang="zh-CN" altLang="en-US"/>
           </a:p>
@@ -1970,7 +1970,7 @@
             <a:fld id="{4916487B-7C96-46B7-92CA-BC4AF96EE678}" type="datetimeFigureOut">
               <a:rPr lang="zh-CN" altLang="en-US" smtClean="0"/>
               <a:pPr/>
-              <a:t>2018/7/16</a:t>
+              <a:t>2018/7/18</a:t>
             </a:fld>
             <a:endParaRPr lang="zh-CN" altLang="en-US"/>
           </a:p>
@@ -2244,7 +2244,7 @@
             <a:fld id="{4916487B-7C96-46B7-92CA-BC4AF96EE678}" type="datetimeFigureOut">
               <a:rPr lang="zh-CN" altLang="en-US" smtClean="0"/>
               <a:pPr/>
-              <a:t>2018/7/16</a:t>
+              <a:t>2018/7/18</a:t>
             </a:fld>
             <a:endParaRPr lang="zh-CN" altLang="en-US"/>
           </a:p>
@@ -2494,7 +2494,7 @@
             <a:fld id="{4916487B-7C96-46B7-92CA-BC4AF96EE678}" type="datetimeFigureOut">
               <a:rPr lang="zh-CN" altLang="en-US" smtClean="0"/>
               <a:pPr/>
-              <a:t>2018/7/16</a:t>
+              <a:t>2018/7/18</a:t>
             </a:fld>
             <a:endParaRPr lang="zh-CN" altLang="en-US"/>
           </a:p>
@@ -2704,7 +2704,7 @@
             <a:fld id="{4916487B-7C96-46B7-92CA-BC4AF96EE678}" type="datetimeFigureOut">
               <a:rPr lang="zh-CN" altLang="en-US" smtClean="0"/>
               <a:pPr/>
-              <a:t>2018/7/16</a:t>
+              <a:t>2018/7/18</a:t>
             </a:fld>
             <a:endParaRPr lang="zh-CN" altLang="en-US"/>
           </a:p>
@@ -3084,7 +3084,7 @@
         <p:spPr>
           <a:xfrm>
             <a:off x="983848" y="833377"/>
-            <a:ext cx="7824486" cy="3539430"/>
+            <a:ext cx="7824486" cy="4832092"/>
           </a:xfrm>
           <a:prstGeom prst="rect">
             <a:avLst/>
@@ -3197,9 +3197,51 @@
               <a:t>：</a:t>
             </a:r>
             <a:r>
-              <a:rPr kumimoji="1" lang="en-US" altLang="zh-CN" sz="2800" dirty="0" smtClean="0"/>
-              <a:t>http://202.38.64.1/soft</a:t>
-            </a:r>
+              <a:rPr kumimoji="1" lang="en-US" altLang="zh-CN" sz="2800" dirty="0" smtClean="0">
+                <a:hlinkClick r:id="rId2"/>
+              </a:rPr>
+              <a:t>http://</a:t>
+            </a:r>
+            <a:r>
+              <a:rPr kumimoji="1" lang="en-US" altLang="zh-CN" sz="2800" dirty="0" smtClean="0">
+                <a:hlinkClick r:id="rId2"/>
+              </a:rPr>
+              <a:t>202.38.64.40/soft</a:t>
+            </a:r>
+            <a:endParaRPr kumimoji="1" lang="en-US" altLang="zh-CN" sz="2800" dirty="0" smtClean="0"/>
+          </a:p>
+          <a:p>
+            <a:endParaRPr kumimoji="1" lang="en-US" altLang="zh-CN" sz="2800" dirty="0"/>
+          </a:p>
+          <a:p>
+            <a:endParaRPr kumimoji="1" lang="en-US" altLang="zh-CN" sz="2800" dirty="0" smtClean="0"/>
+          </a:p>
+          <a:p>
+            <a:r>
+              <a:rPr kumimoji="1" lang="zh-CN" altLang="en-US" sz="2800" dirty="0" smtClean="0"/>
+              <a:t>重要时间：</a:t>
+            </a:r>
+            <a:r>
+              <a:rPr kumimoji="1" lang="zh-CN" altLang="en-US" sz="2800" dirty="0"/>
+              <a:t> </a:t>
+            </a:r>
+            <a:r>
+              <a:rPr kumimoji="1" lang="zh-CN" altLang="en-US" sz="2800" dirty="0" smtClean="0"/>
+              <a:t> </a:t>
+            </a:r>
+            <a:r>
+              <a:rPr kumimoji="1" lang="en-US" altLang="zh-CN" sz="2800" smtClean="0"/>
+              <a:t>12:05</a:t>
+            </a:r>
+            <a:r>
+              <a:rPr kumimoji="1" lang="zh-CN" altLang="en-US" sz="2800" smtClean="0"/>
+              <a:t>出发</a:t>
+            </a:r>
+            <a:r>
+              <a:rPr kumimoji="1" lang="zh-CN" altLang="en-US" sz="2800" dirty="0" smtClean="0"/>
+              <a:t>去食堂</a:t>
+            </a:r>
+            <a:endParaRPr kumimoji="1" lang="en-US" altLang="zh-CN" sz="2800" dirty="0" smtClean="0"/>
           </a:p>
           <a:p>
             <a:endParaRPr kumimoji="1" lang="zh-CN" altLang="en-US" sz="2800" dirty="0"/>
